--- a/exercises/assignments/randomText/treeType.pptx
+++ b/exercises/assignments/randomText/treeType.pptx
@@ -107,6 +107,11 @@
       </a:defRPr>
     </a:lvl9pPr>
   </p:defaultTextStyle>
+  <p:extLst>
+    <p:ext uri="{EFAFB233-063F-42B5-8137-9DF3F51BA10A}">
+      <p15:sldGuideLst xmlns:p15="http://schemas.microsoft.com/office/powerpoint/2012/main"/>
+    </p:ext>
+  </p:extLst>
 </p:presentation>
 </file>
 
@@ -3823,7 +3828,7 @@
               <a:pPr algn="ctr"/>
               <a:r>
                 <a:rPr lang="en-GB" sz="1600" dirty="0"/>
-                <a:t>[‘a’*</a:t>
+                <a:t>[(‘a’,</a:t>
               </a:r>
               <a:r>
                 <a:rPr lang="en-GB" sz="1600" dirty="0" err="1"/>
@@ -3834,12 +3839,8 @@
                 <a:t>a</a:t>
               </a:r>
               <a:r>
-                <a:rPr lang="en-GB" sz="1600" dirty="0"/>
-                <a:t>* </a:t>
-              </a:r>
-              <a:r>
                 <a:rPr lang="en-GB" sz="1600" dirty="0" err="1"/>
-                <a:t>lst</a:t>
+                <a:t>,lst</a:t>
               </a:r>
               <a:r>
                 <a:rPr lang="en-GB" sz="1600" baseline="-25000" dirty="0" err="1"/>
@@ -3847,7 +3848,7 @@
               </a:r>
               <a:r>
                 <a:rPr lang="en-GB" sz="1600" dirty="0"/>
-                <a:t>; ‘b’*</a:t>
+                <a:t>); (‘b’,</a:t>
               </a:r>
               <a:r>
                 <a:rPr lang="en-GB" sz="1600" dirty="0" err="1"/>
@@ -3858,12 +3859,8 @@
                 <a:t>b</a:t>
               </a:r>
               <a:r>
-                <a:rPr lang="en-GB" sz="1600" dirty="0"/>
-                <a:t>* </a:t>
-              </a:r>
-              <a:r>
                 <a:rPr lang="en-GB" sz="1600" dirty="0" err="1"/>
-                <a:t>lst</a:t>
+                <a:t>,lst</a:t>
               </a:r>
               <a:r>
                 <a:rPr lang="en-GB" sz="1600" baseline="-25000" dirty="0" err="1"/>
@@ -3871,7 +3868,7 @@
               </a:r>
               <a:r>
                 <a:rPr lang="en-GB" sz="1600" dirty="0"/>
-                <a:t>; …]</a:t>
+                <a:t>);…]</a:t>
               </a:r>
             </a:p>
           </p:txBody>
@@ -3893,8 +3890,8 @@
           </p:nvCxnSpPr>
           <p:spPr>
             <a:xfrm flipH="1">
-              <a:off x="2902455" y="882869"/>
-              <a:ext cx="3990732" cy="1704461"/>
+              <a:off x="2902454" y="882869"/>
+              <a:ext cx="3813831" cy="1704460"/>
             </a:xfrm>
             <a:prstGeom prst="line">
               <a:avLst/>
@@ -3964,7 +3961,7 @@
               <a:pPr algn="ctr"/>
               <a:r>
                 <a:rPr lang="en-GB" sz="1600" dirty="0"/>
-                <a:t>[‘a’*</a:t>
+                <a:t>[(‘a’,</a:t>
               </a:r>
               <a:r>
                 <a:rPr lang="en-GB" sz="1600" dirty="0" err="1"/>
@@ -3975,12 +3972,8 @@
                 <a:t>a</a:t>
               </a:r>
               <a:r>
-                <a:rPr lang="en-GB" sz="1600" dirty="0"/>
-                <a:t>* </a:t>
-              </a:r>
-              <a:r>
                 <a:rPr lang="en-GB" sz="1600" dirty="0" err="1"/>
-                <a:t>lst</a:t>
+                <a:t>,lst</a:t>
               </a:r>
               <a:r>
                 <a:rPr lang="en-GB" sz="1600" baseline="-25000" dirty="0" err="1"/>
@@ -3988,7 +3981,7 @@
               </a:r>
               <a:r>
                 <a:rPr lang="en-GB" sz="1600" dirty="0"/>
-                <a:t>; ‘b’*</a:t>
+                <a:t>); (‘b’,</a:t>
               </a:r>
               <a:r>
                 <a:rPr lang="en-GB" sz="1600" dirty="0" err="1"/>
@@ -3999,12 +3992,8 @@
                 <a:t>b</a:t>
               </a:r>
               <a:r>
-                <a:rPr lang="en-GB" sz="1600" dirty="0"/>
-                <a:t>* </a:t>
-              </a:r>
-              <a:r>
                 <a:rPr lang="en-GB" sz="1600" dirty="0" err="1"/>
-                <a:t>lst</a:t>
+                <a:t>,lst</a:t>
               </a:r>
               <a:r>
                 <a:rPr lang="en-GB" sz="1600" baseline="-25000" dirty="0" err="1"/>
@@ -4012,7 +4001,7 @@
               </a:r>
               <a:r>
                 <a:rPr lang="en-GB" sz="1600" dirty="0"/>
-                <a:t>; …]</a:t>
+                <a:t>);…]</a:t>
               </a:r>
             </a:p>
           </p:txBody>
@@ -4059,7 +4048,7 @@
               <a:pPr algn="ctr"/>
               <a:r>
                 <a:rPr lang="en-GB" sz="1600" dirty="0"/>
-                <a:t>[‘a’*</a:t>
+                <a:t>[(‘a’,</a:t>
               </a:r>
               <a:r>
                 <a:rPr lang="en-GB" sz="1600" dirty="0" err="1"/>
@@ -4070,12 +4059,8 @@
                 <a:t>a</a:t>
               </a:r>
               <a:r>
-                <a:rPr lang="en-GB" sz="1600" dirty="0"/>
-                <a:t>* </a:t>
-              </a:r>
-              <a:r>
                 <a:rPr lang="en-GB" sz="1600" dirty="0" err="1"/>
-                <a:t>lst</a:t>
+                <a:t>,lst</a:t>
               </a:r>
               <a:r>
                 <a:rPr lang="en-GB" sz="1600" baseline="-25000" dirty="0" err="1"/>
@@ -4083,7 +4068,7 @@
               </a:r>
               <a:r>
                 <a:rPr lang="en-GB" sz="1600" dirty="0"/>
-                <a:t>; ‘b’*</a:t>
+                <a:t>); (‘b’,</a:t>
               </a:r>
               <a:r>
                 <a:rPr lang="en-GB" sz="1600" dirty="0" err="1"/>
@@ -4094,12 +4079,8 @@
                 <a:t>b</a:t>
               </a:r>
               <a:r>
-                <a:rPr lang="en-GB" sz="1600" dirty="0"/>
-                <a:t>* </a:t>
-              </a:r>
-              <a:r>
                 <a:rPr lang="en-GB" sz="1600" dirty="0" err="1"/>
-                <a:t>lst</a:t>
+                <a:t>,lst</a:t>
               </a:r>
               <a:r>
                 <a:rPr lang="en-GB" sz="1600" baseline="-25000" dirty="0" err="1"/>
@@ -4107,7 +4088,7 @@
               </a:r>
               <a:r>
                 <a:rPr lang="en-GB" sz="1600" dirty="0"/>
-                <a:t>; …]</a:t>
+                <a:t>);…]</a:t>
               </a:r>
             </a:p>
           </p:txBody>
@@ -4176,8 +4157,8 @@
           </p:nvCxnSpPr>
           <p:spPr>
             <a:xfrm>
-              <a:off x="6893187" y="882869"/>
-              <a:ext cx="99676" cy="1687487"/>
+              <a:off x="6716285" y="882869"/>
+              <a:ext cx="276577" cy="1687486"/>
             </a:xfrm>
             <a:prstGeom prst="line">
               <a:avLst/>
@@ -4222,8 +4203,8 @@
           </p:nvCxnSpPr>
           <p:spPr>
             <a:xfrm>
-              <a:off x="6893187" y="882869"/>
-              <a:ext cx="4190084" cy="1631412"/>
+              <a:off x="6716285" y="882869"/>
+              <a:ext cx="4366986" cy="1631412"/>
             </a:xfrm>
             <a:prstGeom prst="line">
               <a:avLst/>
@@ -4339,7 +4320,7 @@
               <a:pPr algn="ctr"/>
               <a:r>
                 <a:rPr lang="en-GB" sz="1600" dirty="0"/>
-                <a:t>[‘a’*</a:t>
+                <a:t>[(‘a’,</a:t>
               </a:r>
               <a:r>
                 <a:rPr lang="en-GB" sz="1600" dirty="0" err="1"/>
@@ -4350,12 +4331,8 @@
                 <a:t>a</a:t>
               </a:r>
               <a:r>
-                <a:rPr lang="en-GB" sz="1600" dirty="0"/>
-                <a:t>* </a:t>
-              </a:r>
-              <a:r>
                 <a:rPr lang="en-GB" sz="1600" dirty="0" err="1"/>
-                <a:t>lst</a:t>
+                <a:t>,lst</a:t>
               </a:r>
               <a:r>
                 <a:rPr lang="en-GB" sz="1600" baseline="-25000" dirty="0" err="1"/>
@@ -4363,7 +4340,7 @@
               </a:r>
               <a:r>
                 <a:rPr lang="en-GB" sz="1600" dirty="0"/>
-                <a:t>; ‘b’*</a:t>
+                <a:t>); (‘b’,</a:t>
               </a:r>
               <a:r>
                 <a:rPr lang="en-GB" sz="1600" dirty="0" err="1"/>
@@ -4374,12 +4351,8 @@
                 <a:t>b</a:t>
               </a:r>
               <a:r>
-                <a:rPr lang="en-GB" sz="1600" dirty="0"/>
-                <a:t>* </a:t>
-              </a:r>
-              <a:r>
                 <a:rPr lang="en-GB" sz="1600" dirty="0" err="1"/>
-                <a:t>lst</a:t>
+                <a:t>,lst</a:t>
               </a:r>
               <a:r>
                 <a:rPr lang="en-GB" sz="1600" baseline="-25000" dirty="0" err="1"/>
@@ -4387,7 +4360,7 @@
               </a:r>
               <a:r>
                 <a:rPr lang="en-GB" sz="1600" dirty="0"/>
-                <a:t>; …]</a:t>
+                <a:t>);…]</a:t>
               </a:r>
             </a:p>
           </p:txBody>
@@ -4436,7 +4409,7 @@
               <a:pPr algn="ctr"/>
               <a:r>
                 <a:rPr lang="en-GB" sz="1600" dirty="0"/>
-                <a:t>[‘a’*</a:t>
+                <a:t>[(‘a’,</a:t>
               </a:r>
               <a:r>
                 <a:rPr lang="en-GB" sz="1600" dirty="0" err="1"/>
@@ -4447,12 +4420,8 @@
                 <a:t>a</a:t>
               </a:r>
               <a:r>
-                <a:rPr lang="en-GB" sz="1600" dirty="0"/>
-                <a:t>* </a:t>
-              </a:r>
-              <a:r>
                 <a:rPr lang="en-GB" sz="1600" dirty="0" err="1"/>
-                <a:t>lst</a:t>
+                <a:t>,lst</a:t>
               </a:r>
               <a:r>
                 <a:rPr lang="en-GB" sz="1600" baseline="-25000" dirty="0" err="1"/>
@@ -4460,7 +4429,7 @@
               </a:r>
               <a:r>
                 <a:rPr lang="en-GB" sz="1600" dirty="0"/>
-                <a:t>; ‘b’*</a:t>
+                <a:t>); (‘b’,</a:t>
               </a:r>
               <a:r>
                 <a:rPr lang="en-GB" sz="1600" dirty="0" err="1"/>
@@ -4471,12 +4440,8 @@
                 <a:t>b</a:t>
               </a:r>
               <a:r>
-                <a:rPr lang="en-GB" sz="1600" dirty="0"/>
-                <a:t>* </a:t>
-              </a:r>
-              <a:r>
                 <a:rPr lang="en-GB" sz="1600" dirty="0" err="1"/>
-                <a:t>lst</a:t>
+                <a:t>,lst</a:t>
               </a:r>
               <a:r>
                 <a:rPr lang="en-GB" sz="1600" baseline="-25000" dirty="0" err="1"/>
@@ -4484,7 +4449,7 @@
               </a:r>
               <a:r>
                 <a:rPr lang="en-GB" sz="1600" dirty="0"/>
-                <a:t>; …]</a:t>
+                <a:t>);…]</a:t>
               </a:r>
             </a:p>
           </p:txBody>
